--- a/2022/workshop1/Presentation.pptx
+++ b/2022/workshop1/Presentation.pptx
@@ -269,7 +269,7 @@
           <a:p>
             <a:fld id="{8A077668-1354-4994-92A2-5D039FB41316}" type="datetimeFigureOut">
               <a:rPr lang="en-AU" smtClean="0"/>
-              <a:t>7/09/2022</a:t>
+              <a:t>12/09/2022</a:t>
             </a:fld>
             <a:endParaRPr lang="en-AU"/>
           </a:p>
@@ -469,7 +469,7 @@
           <a:p>
             <a:fld id="{8A077668-1354-4994-92A2-5D039FB41316}" type="datetimeFigureOut">
               <a:rPr lang="en-AU" smtClean="0"/>
-              <a:t>7/09/2022</a:t>
+              <a:t>12/09/2022</a:t>
             </a:fld>
             <a:endParaRPr lang="en-AU"/>
           </a:p>
@@ -679,7 +679,7 @@
           <a:p>
             <a:fld id="{8A077668-1354-4994-92A2-5D039FB41316}" type="datetimeFigureOut">
               <a:rPr lang="en-AU" smtClean="0"/>
-              <a:t>7/09/2022</a:t>
+              <a:t>12/09/2022</a:t>
             </a:fld>
             <a:endParaRPr lang="en-AU"/>
           </a:p>
@@ -879,7 +879,7 @@
           <a:p>
             <a:fld id="{8A077668-1354-4994-92A2-5D039FB41316}" type="datetimeFigureOut">
               <a:rPr lang="en-AU" smtClean="0"/>
-              <a:t>7/09/2022</a:t>
+              <a:t>12/09/2022</a:t>
             </a:fld>
             <a:endParaRPr lang="en-AU"/>
           </a:p>
@@ -1155,7 +1155,7 @@
           <a:p>
             <a:fld id="{8A077668-1354-4994-92A2-5D039FB41316}" type="datetimeFigureOut">
               <a:rPr lang="en-AU" smtClean="0"/>
-              <a:t>7/09/2022</a:t>
+              <a:t>12/09/2022</a:t>
             </a:fld>
             <a:endParaRPr lang="en-AU"/>
           </a:p>
@@ -1423,7 +1423,7 @@
           <a:p>
             <a:fld id="{8A077668-1354-4994-92A2-5D039FB41316}" type="datetimeFigureOut">
               <a:rPr lang="en-AU" smtClean="0"/>
-              <a:t>7/09/2022</a:t>
+              <a:t>12/09/2022</a:t>
             </a:fld>
             <a:endParaRPr lang="en-AU"/>
           </a:p>
@@ -1838,7 +1838,7 @@
           <a:p>
             <a:fld id="{8A077668-1354-4994-92A2-5D039FB41316}" type="datetimeFigureOut">
               <a:rPr lang="en-AU" smtClean="0"/>
-              <a:t>7/09/2022</a:t>
+              <a:t>12/09/2022</a:t>
             </a:fld>
             <a:endParaRPr lang="en-AU"/>
           </a:p>
@@ -1980,7 +1980,7 @@
           <a:p>
             <a:fld id="{8A077668-1354-4994-92A2-5D039FB41316}" type="datetimeFigureOut">
               <a:rPr lang="en-AU" smtClean="0"/>
-              <a:t>7/09/2022</a:t>
+              <a:t>12/09/2022</a:t>
             </a:fld>
             <a:endParaRPr lang="en-AU"/>
           </a:p>
@@ -2093,7 +2093,7 @@
           <a:p>
             <a:fld id="{8A077668-1354-4994-92A2-5D039FB41316}" type="datetimeFigureOut">
               <a:rPr lang="en-AU" smtClean="0"/>
-              <a:t>7/09/2022</a:t>
+              <a:t>12/09/2022</a:t>
             </a:fld>
             <a:endParaRPr lang="en-AU"/>
           </a:p>
@@ -2406,7 +2406,7 @@
           <a:p>
             <a:fld id="{8A077668-1354-4994-92A2-5D039FB41316}" type="datetimeFigureOut">
               <a:rPr lang="en-AU" smtClean="0"/>
-              <a:t>7/09/2022</a:t>
+              <a:t>12/09/2022</a:t>
             </a:fld>
             <a:endParaRPr lang="en-AU"/>
           </a:p>
@@ -2695,7 +2695,7 @@
           <a:p>
             <a:fld id="{8A077668-1354-4994-92A2-5D039FB41316}" type="datetimeFigureOut">
               <a:rPr lang="en-AU" smtClean="0"/>
-              <a:t>7/09/2022</a:t>
+              <a:t>12/09/2022</a:t>
             </a:fld>
             <a:endParaRPr lang="en-AU"/>
           </a:p>
@@ -2938,7 +2938,7 @@
           <a:p>
             <a:fld id="{8A077668-1354-4994-92A2-5D039FB41316}" type="datetimeFigureOut">
               <a:rPr lang="en-AU" smtClean="0"/>
-              <a:t>7/09/2022</a:t>
+              <a:t>12/09/2022</a:t>
             </a:fld>
             <a:endParaRPr lang="en-AU"/>
           </a:p>
@@ -3920,7 +3920,7 @@
                 <a:latin typeface="Athelas" panose="02000503000000020003" pitchFamily="2" charset="77"/>
                 <a:cs typeface="Al Tarikh" pitchFamily="2" charset="-78"/>
               </a:rPr>
-              <a:t>For large corpus in puts lots of strain on the computing resource.</a:t>
+              <a:t>For large corpus it puts lots of strain on the computing resource.</a:t>
             </a:r>
             <a:br>
               <a:rPr lang="en-US" dirty="0">
@@ -4308,7 +4308,23 @@
                   <a:srgbClr val="000000"/>
                 </a:solidFill>
               </a:rPr>
-              <a:t>– Some words occur much more frequently but is less meaningful</a:t>
+              <a:t>– Some words occur much more frequently but </a:t>
+            </a:r>
+            <a:r>
+              <a:rPr lang="en-US" sz="2000" dirty="0">
+                <a:solidFill>
+                  <a:srgbClr val="000000"/>
+                </a:solidFill>
+              </a:rPr>
+              <a:t>are</a:t>
+            </a:r>
+            <a:r>
+              <a:rPr lang="en-US" sz="2000" b="0" i="0" u="none" strike="noStrike" baseline="0" dirty="0">
+                <a:solidFill>
+                  <a:srgbClr val="000000"/>
+                </a:solidFill>
+              </a:rPr>
+              <a:t> less meaningful</a:t>
             </a:r>
             <a:br>
               <a:rPr lang="en-US" sz="2000" b="0" i="0" u="none" strike="noStrike" baseline="0" dirty="0">
@@ -4502,8 +4518,8 @@
           </a:p>
         </p:txBody>
       </p:sp>
-      <mc:AlternateContent xmlns:mc="http://schemas.openxmlformats.org/markup-compatibility/2006" xmlns:a14="http://schemas.microsoft.com/office/drawing/2010/main">
-        <mc:Choice Requires="a14">
+      <mc:AlternateContent xmlns:mc="http://schemas.openxmlformats.org/markup-compatibility/2006">
+        <mc:Choice xmlns:a14="http://schemas.microsoft.com/office/drawing/2010/main" Requires="a14">
           <p:sp>
             <p:nvSpPr>
               <p:cNvPr id="5" name="Content Placeholder 2">
@@ -4560,7 +4576,6 @@
                     <a:solidFill>
                       <a:srgbClr val="000000"/>
                     </a:solidFill>
-                    <a:latin typeface="Calibri" panose="020F0502020204030204" pitchFamily="34" charset="0"/>
                   </a:rPr>
                   <a:t>Product of two terms: TF and IDF</a:t>
                 </a:r>
@@ -4574,18 +4589,8 @@
                     <a:solidFill>
                       <a:srgbClr val="000000"/>
                     </a:solidFill>
-                    <a:latin typeface="Arial" panose="020B0604020202020204" pitchFamily="34" charset="0"/>
                   </a:rPr>
-                  <a:t>– </a:t>
-                </a:r>
-                <a:r>
-                  <a:rPr lang="en-AU" sz="2000" b="0" i="0" u="none" strike="noStrike" baseline="0" dirty="0">
-                    <a:solidFill>
-                      <a:srgbClr val="000000"/>
-                    </a:solidFill>
-                    <a:latin typeface="Calibri" panose="020F0502020204030204" pitchFamily="34" charset="0"/>
-                  </a:rPr>
-                  <a:t>TF: Term frequency</a:t>
+                  <a:t>– TF: Term frequency</a:t>
                 </a:r>
               </a:p>
               <a:p>
@@ -4596,7 +4601,6 @@
                   <a:solidFill>
                     <a:srgbClr val="000000"/>
                   </a:solidFill>
-                  <a:latin typeface="Calibri" panose="020F0502020204030204" pitchFamily="34" charset="0"/>
                 </a:endParaRPr>
               </a:p>
               <a:p>
@@ -4607,7 +4611,6 @@
                   <a:solidFill>
                     <a:srgbClr val="000000"/>
                   </a:solidFill>
-                  <a:latin typeface="Arial" panose="020B0604020202020204" pitchFamily="34" charset="0"/>
                 </a:endParaRPr>
               </a:p>
               <a:p>
@@ -4618,7 +4621,6 @@
                   <a:solidFill>
                     <a:srgbClr val="000000"/>
                   </a:solidFill>
-                  <a:latin typeface="Arial" panose="020B0604020202020204" pitchFamily="34" charset="0"/>
                 </a:endParaRPr>
               </a:p>
               <a:p>
@@ -4630,7 +4632,6 @@
                     <a:solidFill>
                       <a:srgbClr val="000000"/>
                     </a:solidFill>
-                    <a:latin typeface="Arial" panose="020B0604020202020204" pitchFamily="34" charset="0"/>
                   </a:rPr>
                 </a:br>
                 <a:r>
@@ -4638,27 +4639,8 @@
                     <a:solidFill>
                       <a:srgbClr val="000000"/>
                     </a:solidFill>
-                    <a:latin typeface="Arial" panose="020B0604020202020204" pitchFamily="34" charset="0"/>
                   </a:rPr>
-                  <a:t>– </a:t>
-                </a:r>
-                <a:r>
-                  <a:rPr lang="en-AU" sz="2000" b="0" i="0" u="none" strike="noStrike" baseline="0" dirty="0">
-                    <a:solidFill>
-                      <a:srgbClr val="000000"/>
-                    </a:solidFill>
-                    <a:latin typeface="Calibri" panose="020F0502020204030204" pitchFamily="34" charset="0"/>
-                  </a:rPr>
-                  <a:t>IDF: I</a:t>
-                </a:r>
-                <a:r>
-                  <a:rPr lang="en-AU" sz="2000" b="0" i="0" u="none" strike="noStrike" baseline="0" dirty="0">
-                    <a:solidFill>
-                      <a:srgbClr val="000000"/>
-                    </a:solidFill>
-                    <a:latin typeface="Georgia" panose="02040502050405020303" pitchFamily="18" charset="0"/>
-                  </a:rPr>
-                  <a:t>nverse document frequency</a:t>
+                  <a:t>– IDF: Inverse document frequency</a:t>
                 </a:r>
               </a:p>
               <a:p>
@@ -4668,7 +4650,6 @@
                     <a:solidFill>
                       <a:srgbClr val="000000"/>
                     </a:solidFill>
-                    <a:latin typeface="Georgia" panose="02040502050405020303" pitchFamily="18" charset="0"/>
                   </a:rPr>
                   <a:t>The document frequency of a term t is simply the number documents it occurs</a:t>
                 </a:r>
@@ -4680,7 +4661,6 @@
                     <a:solidFill>
                       <a:srgbClr val="000000"/>
                     </a:solidFill>
-                    <a:latin typeface="Georgia" panose="02040502050405020303" pitchFamily="18" charset="0"/>
                   </a:rPr>
                   <a:t>Inverse document frequency (IDF)  </a:t>
                 </a:r>
@@ -4691,7 +4671,6 @@
                         <a:solidFill>
                           <a:srgbClr val="000000"/>
                         </a:solidFill>
-                        <a:latin typeface="Cambria Math" panose="02040503050406030204" pitchFamily="18" charset="0"/>
                       </a:rPr>
                       <m:t>𝑁</m:t>
                     </m:r>
@@ -4700,7 +4679,6 @@
                         <a:solidFill>
                           <a:srgbClr val="000000"/>
                         </a:solidFill>
-                        <a:latin typeface="Cambria Math" panose="02040503050406030204" pitchFamily="18" charset="0"/>
                       </a:rPr>
                       <m:t>/</m:t>
                     </m:r>
@@ -4711,7 +4689,6 @@
                             <a:solidFill>
                               <a:srgbClr val="000000"/>
                             </a:solidFill>
-                            <a:latin typeface="Cambria Math" panose="02040503050406030204" pitchFamily="18" charset="0"/>
                           </a:rPr>
                         </m:ctrlPr>
                       </m:sSubPr>
@@ -4721,7 +4698,6 @@
                             <a:solidFill>
                               <a:srgbClr val="000000"/>
                             </a:solidFill>
-                            <a:latin typeface="Cambria Math" panose="02040503050406030204" pitchFamily="18" charset="0"/>
                           </a:rPr>
                           <m:t>𝑑𝑓</m:t>
                         </m:r>
@@ -4732,7 +4708,6 @@
                             <a:solidFill>
                               <a:srgbClr val="000000"/>
                             </a:solidFill>
-                            <a:latin typeface="Cambria Math" panose="02040503050406030204" pitchFamily="18" charset="0"/>
                           </a:rPr>
                           <m:t>𝑡</m:t>
                         </m:r>
@@ -4745,7 +4720,6 @@
                     <a:solidFill>
                       <a:srgbClr val="000000"/>
                     </a:solidFill>
-                    <a:latin typeface="Georgia" panose="02040502050405020303" pitchFamily="18" charset="0"/>
                   </a:rPr>
                   <a:t>, with N as the total number of documents</a:t>
                 </a:r>
@@ -4759,7 +4733,6 @@
                     <a:solidFill>
                       <a:srgbClr val="000000"/>
                     </a:solidFill>
-                    <a:latin typeface="Arial" panose="020B0604020202020204" pitchFamily="34" charset="0"/>
                   </a:rPr>
                 </a:br>
                 <a:r>
@@ -4767,38 +4740,26 @@
                     <a:solidFill>
                       <a:srgbClr val="000000"/>
                     </a:solidFill>
-                    <a:latin typeface="Arial" panose="020B0604020202020204" pitchFamily="34" charset="0"/>
                   </a:rPr>
-                  <a:t>–</a:t>
-                </a:r>
-                <a:r>
-                  <a:rPr lang="en-AU" sz="2000" b="0" i="0" u="none" strike="noStrike" baseline="0" dirty="0">
-                    <a:solidFill>
-                      <a:srgbClr val="000000"/>
-                    </a:solidFill>
-                    <a:latin typeface="Georgia" panose="02040502050405020303" pitchFamily="18" charset="0"/>
-                  </a:rPr>
-                  <a:t>Putting together</a:t>
+                  <a:t>–Putting together</a:t>
                 </a:r>
                 <a:br>
                   <a:rPr lang="en-AU" sz="2000" b="0" i="0" u="none" strike="noStrike" baseline="0" dirty="0">
                     <a:solidFill>
                       <a:srgbClr val="000000"/>
                     </a:solidFill>
-                    <a:latin typeface="Georgia" panose="02040502050405020303" pitchFamily="18" charset="0"/>
                   </a:rPr>
                 </a:br>
                 <a:endParaRPr lang="en-AU" sz="2000" b="0" i="0" u="none" strike="noStrike" baseline="0" dirty="0">
                   <a:solidFill>
                     <a:srgbClr val="000000"/>
                   </a:solidFill>
-                  <a:latin typeface="Georgia" panose="02040502050405020303" pitchFamily="18" charset="0"/>
                 </a:endParaRPr>
               </a:p>
             </p:txBody>
           </p:sp>
         </mc:Choice>
-        <mc:Fallback xmlns="">
+        <mc:Fallback>
           <p:sp>
             <p:nvSpPr>
               <p:cNvPr id="5" name="Content Placeholder 2">
